--- a/presentation/ブラッシュアップ編.pptx
+++ b/presentation/ブラッシュアップ編.pptx
@@ -14,7 +14,7 @@
     <p:sldId id="262" r:id="rId8"/>
   </p:sldIdLst>
   <p:sldSz cx="12192000" cy="6858000"/>
-  <p:notesSz cx="6858000" cy="9144000"/>
+  <p:notesSz cx="9144000" cy="6858000"/>
   <p:defaultTextStyle>
     <a:defPPr>
       <a:defRPr lang="ja-JP"/>
@@ -123,7 +123,7 @@
   <pc:docChgLst>
     <pc:chgData name="Otake Yuki" userId="3ec6b0a963038165" providerId="LiveId" clId="{C5963FC2-66F2-4253-A02F-12500EEFC26A}"/>
     <pc:docChg chg="addSld delSld modSld">
-      <pc:chgData name="Otake Yuki" userId="3ec6b0a963038165" providerId="LiveId" clId="{C5963FC2-66F2-4253-A02F-12500EEFC26A}" dt="2018-04-11T15:14:13.721" v="1635"/>
+      <pc:chgData name="Otake Yuki" userId="3ec6b0a963038165" providerId="LiveId" clId="{C5963FC2-66F2-4253-A02F-12500EEFC26A}" dt="2018-04-12T05:25:21.460" v="1682"/>
       <pc:docMkLst>
         <pc:docMk/>
       </pc:docMkLst>
@@ -158,13 +158,13 @@
         </pc:spChg>
       </pc:sldChg>
       <pc:sldChg chg="modSp">
-        <pc:chgData name="Otake Yuki" userId="3ec6b0a963038165" providerId="LiveId" clId="{C5963FC2-66F2-4253-A02F-12500EEFC26A}" dt="2018-04-11T07:41:06.381" v="934" actId="20577"/>
+        <pc:chgData name="Otake Yuki" userId="3ec6b0a963038165" providerId="LiveId" clId="{C5963FC2-66F2-4253-A02F-12500EEFC26A}" dt="2018-04-12T05:18:30.160" v="1641"/>
         <pc:sldMkLst>
           <pc:docMk/>
           <pc:sldMk cId="3966237799" sldId="258"/>
         </pc:sldMkLst>
         <pc:spChg chg="mod">
-          <ac:chgData name="Otake Yuki" userId="3ec6b0a963038165" providerId="LiveId" clId="{C5963FC2-66F2-4253-A02F-12500EEFC26A}" dt="2018-04-11T07:41:06.381" v="934" actId="20577"/>
+          <ac:chgData name="Otake Yuki" userId="3ec6b0a963038165" providerId="LiveId" clId="{C5963FC2-66F2-4253-A02F-12500EEFC26A}" dt="2018-04-12T05:18:30.160" v="1641"/>
           <ac:spMkLst>
             <pc:docMk/>
             <pc:sldMk cId="3966237799" sldId="258"/>
@@ -173,13 +173,13 @@
         </pc:spChg>
       </pc:sldChg>
       <pc:sldChg chg="modSp">
-        <pc:chgData name="Otake Yuki" userId="3ec6b0a963038165" providerId="LiveId" clId="{C5963FC2-66F2-4253-A02F-12500EEFC26A}" dt="2018-04-11T07:25:23.738" v="527" actId="113"/>
+        <pc:chgData name="Otake Yuki" userId="3ec6b0a963038165" providerId="LiveId" clId="{C5963FC2-66F2-4253-A02F-12500EEFC26A}" dt="2018-04-12T05:15:51.131" v="1636" actId="113"/>
         <pc:sldMkLst>
           <pc:docMk/>
           <pc:sldMk cId="592633998" sldId="259"/>
         </pc:sldMkLst>
         <pc:spChg chg="mod">
-          <ac:chgData name="Otake Yuki" userId="3ec6b0a963038165" providerId="LiveId" clId="{C5963FC2-66F2-4253-A02F-12500EEFC26A}" dt="2018-04-11T07:25:23.738" v="527" actId="113"/>
+          <ac:chgData name="Otake Yuki" userId="3ec6b0a963038165" providerId="LiveId" clId="{C5963FC2-66F2-4253-A02F-12500EEFC26A}" dt="2018-04-12T05:15:51.131" v="1636" actId="113"/>
           <ac:spMkLst>
             <pc:docMk/>
             <pc:sldMk cId="592633998" sldId="259"/>
@@ -254,7 +254,7 @@
           <pc:sldMk cId="3947942569" sldId="261"/>
         </pc:sldMkLst>
         <pc:spChg chg="mod">
-          <ac:chgData name="Otake Yuki" userId="3ec6b0a963038165" providerId="LiveId" clId="{C5963FC2-66F2-4253-A02F-12500EEFC26A}" dt="2018-04-11T07:41:19.145" v="982"/>
+          <ac:chgData name="Otake Yuki" userId="3ec6b0a963038165" providerId="LiveId" clId="{C5963FC2-66F2-4253-A02F-12500EEFC26A}" dt="2018-04-11T07:41:19.145" v="982" actId="20577"/>
           <ac:spMkLst>
             <pc:docMk/>
             <pc:sldMk cId="3947942569" sldId="261"/>
@@ -271,7 +271,7 @@
         </pc:spChg>
       </pc:sldChg>
       <pc:sldChg chg="modSp add">
-        <pc:chgData name="Otake Yuki" userId="3ec6b0a963038165" providerId="LiveId" clId="{C5963FC2-66F2-4253-A02F-12500EEFC26A}" dt="2018-04-11T15:14:13.721" v="1635"/>
+        <pc:chgData name="Otake Yuki" userId="3ec6b0a963038165" providerId="LiveId" clId="{C5963FC2-66F2-4253-A02F-12500EEFC26A}" dt="2018-04-12T05:25:21.460" v="1682"/>
         <pc:sldMkLst>
           <pc:docMk/>
           <pc:sldMk cId="658911850" sldId="262"/>
@@ -285,11 +285,26 @@
           </ac:spMkLst>
         </pc:spChg>
         <pc:spChg chg="mod">
-          <ac:chgData name="Otake Yuki" userId="3ec6b0a963038165" providerId="LiveId" clId="{C5963FC2-66F2-4253-A02F-12500EEFC26A}" dt="2018-04-11T15:14:13.721" v="1635"/>
+          <ac:chgData name="Otake Yuki" userId="3ec6b0a963038165" providerId="LiveId" clId="{C5963FC2-66F2-4253-A02F-12500EEFC26A}" dt="2018-04-12T05:25:21.460" v="1682"/>
           <ac:spMkLst>
             <pc:docMk/>
             <pc:sldMk cId="658911850" sldId="262"/>
             <ac:spMk id="3" creationId="{0484063B-9BEF-4C85-88C3-478A76426295}"/>
+          </ac:spMkLst>
+        </pc:spChg>
+      </pc:sldChg>
+      <pc:sldChg chg="modSp add del">
+        <pc:chgData name="Otake Yuki" userId="3ec6b0a963038165" providerId="LiveId" clId="{C5963FC2-66F2-4253-A02F-12500EEFC26A}" dt="2018-04-12T05:18:25.683" v="1639" actId="2696"/>
+        <pc:sldMkLst>
+          <pc:docMk/>
+          <pc:sldMk cId="397508496" sldId="263"/>
+        </pc:sldMkLst>
+        <pc:spChg chg="mod">
+          <ac:chgData name="Otake Yuki" userId="3ec6b0a963038165" providerId="LiveId" clId="{C5963FC2-66F2-4253-A02F-12500EEFC26A}" dt="2018-04-12T05:18:24.197" v="1638"/>
+          <ac:spMkLst>
+            <pc:docMk/>
+            <pc:sldMk cId="397508496" sldId="263"/>
+            <ac:spMk id="2" creationId="{E069E46D-BE01-4069-9981-C35634DD8DEF}"/>
           </ac:spMkLst>
         </pc:spChg>
       </pc:sldChg>
@@ -300,7 +315,7 @@
           <pc:sldMk cId="692921980" sldId="263"/>
         </pc:sldMkLst>
         <pc:spChg chg="mod">
-          <ac:chgData name="Otake Yuki" userId="3ec6b0a963038165" providerId="LiveId" clId="{C5963FC2-66F2-4253-A02F-12500EEFC26A}" dt="2018-04-11T15:11:55.462" v="1285"/>
+          <ac:chgData name="Otake Yuki" userId="3ec6b0a963038165" providerId="LiveId" clId="{C5963FC2-66F2-4253-A02F-12500EEFC26A}" dt="2018-04-11T15:11:55.462" v="1285" actId="2696"/>
           <ac:spMkLst>
             <pc:docMk/>
             <pc:sldMk cId="692921980" sldId="263"/>
@@ -315,7 +330,7 @@
           <pc:sldMk cId="740038280" sldId="263"/>
         </pc:sldMkLst>
         <pc:spChg chg="mod">
-          <ac:chgData name="Otake Yuki" userId="3ec6b0a963038165" providerId="LiveId" clId="{C5963FC2-66F2-4253-A02F-12500EEFC26A}" dt="2018-04-11T14:39:33.215" v="1021"/>
+          <ac:chgData name="Otake Yuki" userId="3ec6b0a963038165" providerId="LiveId" clId="{C5963FC2-66F2-4253-A02F-12500EEFC26A}" dt="2018-04-11T14:39:33.215" v="1021" actId="2696"/>
           <ac:spMkLst>
             <pc:docMk/>
             <pc:sldMk cId="740038280" sldId="263"/>
@@ -330,7 +345,7 @@
           <pc:sldMk cId="2356343791" sldId="263"/>
         </pc:sldMkLst>
         <pc:spChg chg="mod">
-          <ac:chgData name="Otake Yuki" userId="3ec6b0a963038165" providerId="LiveId" clId="{C5963FC2-66F2-4253-A02F-12500EEFC26A}" dt="2018-04-11T14:45:26.925" v="1024"/>
+          <ac:chgData name="Otake Yuki" userId="3ec6b0a963038165" providerId="LiveId" clId="{C5963FC2-66F2-4253-A02F-12500EEFC26A}" dt="2018-04-11T14:45:26.925" v="1024" actId="2696"/>
           <ac:spMkLst>
             <pc:docMk/>
             <pc:sldMk cId="2356343791" sldId="263"/>
@@ -505,7 +520,7 @@
           <a:p>
             <a:fld id="{C755D408-989E-4724-9D90-0935A3F6EBE6}" type="datetimeFigureOut">
               <a:rPr kumimoji="1" lang="ja-JP" altLang="en-US" smtClean="0"/>
-              <a:t>2018/4/11</a:t>
+              <a:t>2018/4/12</a:t>
             </a:fld>
             <a:endParaRPr kumimoji="1" lang="ja-JP" altLang="en-US"/>
           </a:p>
@@ -735,7 +750,7 @@
           <a:p>
             <a:fld id="{C755D408-989E-4724-9D90-0935A3F6EBE6}" type="datetimeFigureOut">
               <a:rPr kumimoji="1" lang="ja-JP" altLang="en-US" smtClean="0"/>
-              <a:t>2018/4/11</a:t>
+              <a:t>2018/4/12</a:t>
             </a:fld>
             <a:endParaRPr kumimoji="1" lang="ja-JP" altLang="en-US"/>
           </a:p>
@@ -975,7 +990,7 @@
           <a:p>
             <a:fld id="{C755D408-989E-4724-9D90-0935A3F6EBE6}" type="datetimeFigureOut">
               <a:rPr kumimoji="1" lang="ja-JP" altLang="en-US" smtClean="0"/>
-              <a:t>2018/4/11</a:t>
+              <a:t>2018/4/12</a:t>
             </a:fld>
             <a:endParaRPr kumimoji="1" lang="ja-JP" altLang="en-US"/>
           </a:p>
@@ -1205,7 +1220,7 @@
           <a:p>
             <a:fld id="{C755D408-989E-4724-9D90-0935A3F6EBE6}" type="datetimeFigureOut">
               <a:rPr kumimoji="1" lang="ja-JP" altLang="en-US" smtClean="0"/>
-              <a:t>2018/4/11</a:t>
+              <a:t>2018/4/12</a:t>
             </a:fld>
             <a:endParaRPr kumimoji="1" lang="ja-JP" altLang="en-US"/>
           </a:p>
@@ -1480,7 +1495,7 @@
           <a:p>
             <a:fld id="{C755D408-989E-4724-9D90-0935A3F6EBE6}" type="datetimeFigureOut">
               <a:rPr kumimoji="1" lang="ja-JP" altLang="en-US" smtClean="0"/>
-              <a:t>2018/4/11</a:t>
+              <a:t>2018/4/12</a:t>
             </a:fld>
             <a:endParaRPr kumimoji="1" lang="ja-JP" altLang="en-US"/>
           </a:p>
@@ -1809,7 +1824,7 @@
           <a:p>
             <a:fld id="{C755D408-989E-4724-9D90-0935A3F6EBE6}" type="datetimeFigureOut">
               <a:rPr kumimoji="1" lang="ja-JP" altLang="en-US" smtClean="0"/>
-              <a:t>2018/4/11</a:t>
+              <a:t>2018/4/12</a:t>
             </a:fld>
             <a:endParaRPr kumimoji="1" lang="ja-JP" altLang="en-US"/>
           </a:p>
@@ -2285,7 +2300,7 @@
           <a:p>
             <a:fld id="{C755D408-989E-4724-9D90-0935A3F6EBE6}" type="datetimeFigureOut">
               <a:rPr kumimoji="1" lang="ja-JP" altLang="en-US" smtClean="0"/>
-              <a:t>2018/4/11</a:t>
+              <a:t>2018/4/12</a:t>
             </a:fld>
             <a:endParaRPr kumimoji="1" lang="ja-JP" altLang="en-US"/>
           </a:p>
@@ -2426,7 +2441,7 @@
           <a:p>
             <a:fld id="{C755D408-989E-4724-9D90-0935A3F6EBE6}" type="datetimeFigureOut">
               <a:rPr kumimoji="1" lang="ja-JP" altLang="en-US" smtClean="0"/>
-              <a:t>2018/4/11</a:t>
+              <a:t>2018/4/12</a:t>
             </a:fld>
             <a:endParaRPr kumimoji="1" lang="ja-JP" altLang="en-US"/>
           </a:p>
@@ -2539,7 +2554,7 @@
           <a:p>
             <a:fld id="{C755D408-989E-4724-9D90-0935A3F6EBE6}" type="datetimeFigureOut">
               <a:rPr kumimoji="1" lang="ja-JP" altLang="en-US" smtClean="0"/>
-              <a:t>2018/4/11</a:t>
+              <a:t>2018/4/12</a:t>
             </a:fld>
             <a:endParaRPr kumimoji="1" lang="ja-JP" altLang="en-US"/>
           </a:p>
@@ -2882,7 +2897,7 @@
           <a:p>
             <a:fld id="{C755D408-989E-4724-9D90-0935A3F6EBE6}" type="datetimeFigureOut">
               <a:rPr kumimoji="1" lang="ja-JP" altLang="en-US" smtClean="0"/>
-              <a:t>2018/4/11</a:t>
+              <a:t>2018/4/12</a:t>
             </a:fld>
             <a:endParaRPr kumimoji="1" lang="ja-JP" altLang="en-US"/>
           </a:p>
@@ -3170,7 +3185,7 @@
           <a:p>
             <a:fld id="{C755D408-989E-4724-9D90-0935A3F6EBE6}" type="datetimeFigureOut">
               <a:rPr kumimoji="1" lang="ja-JP" altLang="en-US" smtClean="0"/>
-              <a:t>2018/4/11</a:t>
+              <a:t>2018/4/12</a:t>
             </a:fld>
             <a:endParaRPr kumimoji="1" lang="ja-JP" altLang="en-US"/>
           </a:p>
@@ -3443,7 +3458,7 @@
           <a:p>
             <a:fld id="{C755D408-989E-4724-9D90-0935A3F6EBE6}" type="datetimeFigureOut">
               <a:rPr kumimoji="1" lang="ja-JP" altLang="en-US" smtClean="0"/>
-              <a:t>2018/4/11</a:t>
+              <a:t>2018/4/12</a:t>
             </a:fld>
             <a:endParaRPr kumimoji="1" lang="ja-JP" altLang="en-US"/>
           </a:p>
@@ -4138,8 +4153,12 @@
           <a:lstStyle/>
           <a:p>
             <a:r>
+              <a:rPr kumimoji="1" lang="ja-JP" altLang="en-US" b="1" dirty="0"/>
+              <a:t>「今」</a:t>
+            </a:r>
+            <a:r>
               <a:rPr kumimoji="1" lang="ja-JP" altLang="en-US" dirty="0"/>
-              <a:t>「今」どこに行きたいか決めるアプリ</a:t>
+              <a:t>どこに行きたいか決めるアプリ</a:t>
             </a:r>
             <a:endParaRPr kumimoji="1" lang="en-US" altLang="ja-JP" dirty="0"/>
           </a:p>
@@ -4405,53 +4424,6 @@
           <a:bodyPr/>
           <a:lstStyle/>
           <a:p>
-            <a:r>
-              <a:rPr kumimoji="1" lang="en-US" altLang="ja-JP" dirty="0"/>
-              <a:t>JSON</a:t>
-            </a:r>
-            <a:r>
-              <a:rPr kumimoji="1" lang="ja-JP" altLang="en-US" dirty="0"/>
-              <a:t>のパース方法を変更</a:t>
-            </a:r>
-            <a:endParaRPr kumimoji="1" lang="en-US" altLang="ja-JP" dirty="0"/>
-          </a:p>
-          <a:p>
-            <a:r>
-              <a:rPr kumimoji="1" lang="ja-JP" altLang="en-US" dirty="0"/>
-              <a:t>メソッドは</a:t>
-            </a:r>
-            <a:r>
-              <a:rPr kumimoji="1" lang="en-US" altLang="ja-JP" dirty="0"/>
-              <a:t>1</a:t>
-            </a:r>
-            <a:r>
-              <a:rPr kumimoji="1" lang="ja-JP" altLang="en-US" dirty="0"/>
-              <a:t>画面に収まるように</a:t>
-            </a:r>
-            <a:endParaRPr kumimoji="1" lang="en-US" altLang="ja-JP" dirty="0"/>
-          </a:p>
-          <a:p>
-            <a:r>
-              <a:rPr kumimoji="1" lang="ja-JP" altLang="en-US" dirty="0"/>
-              <a:t>一度に複数の画像を読み込み可能</a:t>
-            </a:r>
-            <a:endParaRPr kumimoji="1" lang="en-US" altLang="ja-JP" dirty="0"/>
-          </a:p>
-          <a:p>
-            <a:r>
-              <a:rPr kumimoji="1" lang="ja-JP" altLang="en-US" dirty="0"/>
-              <a:t>ターゲットに合わせた表示</a:t>
-            </a:r>
-            <a:endParaRPr kumimoji="1" lang="en-US" altLang="ja-JP" dirty="0"/>
-          </a:p>
-          <a:p>
-            <a:r>
-              <a:rPr lang="ja-JP" altLang="en-US" dirty="0"/>
-              <a:t>友人からレビューをもらう</a:t>
-            </a:r>
-            <a:endParaRPr kumimoji="1" lang="en-US" altLang="ja-JP" dirty="0"/>
-          </a:p>
-          <a:p>
             <a:pPr rtl="0" eaLnBrk="1" latinLnBrk="0" hangingPunct="1"/>
             <a:r>
               <a:rPr kumimoji="1" lang="ja-JP" altLang="ja-JP" sz="2800" b="1" i="0" kern="1200" dirty="0">
@@ -4465,7 +4437,7 @@
               </a:rPr>
               <a:t>営業時間の取得と絞り込み</a:t>
             </a:r>
-            <a:endParaRPr lang="ja-JP" altLang="ja-JP" sz="2800" b="1" i="0" dirty="0">
+            <a:endParaRPr lang="ja-JP" altLang="ja-JP" sz="2800" dirty="0">
               <a:effectLst/>
             </a:endParaRPr>
           </a:p>
@@ -4483,15 +4455,56 @@
               </a:rPr>
               <a:t>通信制限モードを実装</a:t>
             </a:r>
-            <a:endParaRPr kumimoji="1" lang="en-US" altLang="ja-JP" sz="2800" b="1" i="0" kern="1200" dirty="0">
-              <a:solidFill>
-                <a:schemeClr val="tx1"/>
-              </a:solidFill>
+            <a:endParaRPr lang="ja-JP" altLang="ja-JP" dirty="0">
               <a:effectLst/>
-              <a:latin typeface="+mn-lt"/>
-              <a:ea typeface="+mn-ea"/>
-              <a:cs typeface="+mn-cs"/>
             </a:endParaRPr>
+          </a:p>
+          <a:p>
+            <a:r>
+              <a:rPr kumimoji="1" lang="en-US" altLang="ja-JP" dirty="0"/>
+              <a:t>JSON</a:t>
+            </a:r>
+            <a:r>
+              <a:rPr kumimoji="1" lang="ja-JP" altLang="en-US" dirty="0"/>
+              <a:t>のパース方法を変更</a:t>
+            </a:r>
+            <a:endParaRPr kumimoji="1" lang="en-US" altLang="ja-JP" dirty="0"/>
+          </a:p>
+          <a:p>
+            <a:r>
+              <a:rPr kumimoji="1" lang="ja-JP" altLang="en-US" dirty="0"/>
+              <a:t>メソッドは</a:t>
+            </a:r>
+            <a:r>
+              <a:rPr kumimoji="1" lang="en-US" altLang="ja-JP" dirty="0"/>
+              <a:t>1</a:t>
+            </a:r>
+            <a:r>
+              <a:rPr kumimoji="1" lang="ja-JP" altLang="en-US" dirty="0"/>
+              <a:t>画面に収まるように</a:t>
+            </a:r>
+            <a:endParaRPr kumimoji="1" lang="en-US" altLang="ja-JP" dirty="0"/>
+          </a:p>
+          <a:p>
+            <a:r>
+              <a:rPr kumimoji="1" lang="ja-JP" altLang="en-US" dirty="0"/>
+              <a:t>一度に複数の画像を読み込み可能</a:t>
+            </a:r>
+            <a:endParaRPr kumimoji="1" lang="en-US" altLang="ja-JP" dirty="0"/>
+          </a:p>
+          <a:p>
+            <a:r>
+              <a:rPr kumimoji="1" lang="ja-JP" altLang="en-US" dirty="0"/>
+              <a:t>ターゲットに合わせた表示</a:t>
+            </a:r>
+            <a:endParaRPr kumimoji="1" lang="en-US" altLang="ja-JP" dirty="0"/>
+          </a:p>
+          <a:p>
+            <a:r>
+              <a:rPr lang="ja-JP" altLang="en-US" dirty="0"/>
+              <a:t>友人からレビューをもらう</a:t>
+            </a:r>
+            <a:endParaRPr kumimoji="1" lang="en-US" altLang="ja-JP" dirty="0"/>
           </a:p>
         </p:txBody>
       </p:sp>
@@ -4770,7 +4783,23 @@
           <a:p>
             <a:r>
               <a:rPr kumimoji="1" lang="ja-JP" altLang="en-US" dirty="0"/>
-              <a:t>ターゲットが「徒歩」で利用することを想定</a:t>
+              <a:t>ターゲットが「徒歩</a:t>
+            </a:r>
+            <a:r>
+              <a:rPr kumimoji="1" lang="en-US" altLang="ja-JP" dirty="0"/>
+              <a:t>(</a:t>
+            </a:r>
+            <a:r>
+              <a:rPr kumimoji="1" lang="ja-JP" altLang="en-US" dirty="0"/>
+              <a:t>屋外</a:t>
+            </a:r>
+            <a:r>
+              <a:rPr kumimoji="1" lang="en-US" altLang="ja-JP" dirty="0"/>
+              <a:t>)</a:t>
+            </a:r>
+            <a:r>
+              <a:rPr kumimoji="1" lang="ja-JP" altLang="en-US" dirty="0"/>
+              <a:t>」で利用することを想定</a:t>
             </a:r>
             <a:endParaRPr kumimoji="1" lang="en-US" altLang="ja-JP" dirty="0"/>
           </a:p>
@@ -4784,7 +4813,7 @@
             </a:r>
             <a:r>
               <a:rPr kumimoji="1" lang="ja-JP" altLang="en-US" dirty="0"/>
-              <a:t>画像の読み込みが遅いためにレイアウトが崩れるのは見にくい</a:t>
+              <a:t>画像の読み込みが遅いためにレイアウトが崩れるのは残念</a:t>
             </a:r>
             <a:endParaRPr kumimoji="1" lang="en-US" altLang="ja-JP" dirty="0"/>
           </a:p>
@@ -4834,10 +4863,10 @@
               <a:t>)</a:t>
             </a:r>
             <a:r>
-              <a:rPr lang="ja-JP" altLang="en-US"/>
+              <a:rPr lang="ja-JP" altLang="en-US" dirty="0"/>
               <a:t>も安心</a:t>
             </a:r>
-            <a:endParaRPr lang="en-US" altLang="ja-JP"/>
+            <a:endParaRPr lang="en-US" altLang="ja-JP" dirty="0"/>
           </a:p>
         </p:txBody>
       </p:sp>
